--- a/docs/bkmr.pptx
+++ b/docs/bkmr.pptx
@@ -6,12 +6,13 @@
   </p:sldMasterIdLst>
   <p:sldIdLst>
     <p:sldId id="256" r:id="rId2"/>
-    <p:sldId id="257" r:id="rId3"/>
-    <p:sldId id="258" r:id="rId4"/>
-    <p:sldId id="259" r:id="rId5"/>
-    <p:sldId id="260" r:id="rId6"/>
-    <p:sldId id="261" r:id="rId7"/>
-    <p:sldId id="262" r:id="rId8"/>
+    <p:sldId id="263" r:id="rId3"/>
+    <p:sldId id="264" r:id="rId4"/>
+    <p:sldId id="258" r:id="rId5"/>
+    <p:sldId id="259" r:id="rId6"/>
+    <p:sldId id="260" r:id="rId7"/>
+    <p:sldId id="261" r:id="rId8"/>
+    <p:sldId id="262" r:id="rId9"/>
   </p:sldIdLst>
   <p:sldSz cx="12192000" cy="6858000"/>
   <p:notesSz cx="6858000" cy="9144000"/>
@@ -267,7 +268,7 @@
           <a:p>
             <a:fld id="{94EAEABD-DE79-9141-AFA2-A3447ADAF287}" type="datetimeFigureOut">
               <a:rPr lang="en-DE" smtClean="0"/>
-              <a:t>05.04.25</a:t>
+              <a:t>14.04.25</a:t>
             </a:fld>
             <a:endParaRPr lang="en-DE"/>
           </a:p>
@@ -467,7 +468,7 @@
           <a:p>
             <a:fld id="{94EAEABD-DE79-9141-AFA2-A3447ADAF287}" type="datetimeFigureOut">
               <a:rPr lang="en-DE" smtClean="0"/>
-              <a:t>05.04.25</a:t>
+              <a:t>14.04.25</a:t>
             </a:fld>
             <a:endParaRPr lang="en-DE"/>
           </a:p>
@@ -743,7 +744,7 @@
           <a:p>
             <a:fld id="{94EAEABD-DE79-9141-AFA2-A3447ADAF287}" type="datetimeFigureOut">
               <a:rPr lang="en-DE" smtClean="0"/>
-              <a:t>05.04.25</a:t>
+              <a:t>14.04.25</a:t>
             </a:fld>
             <a:endParaRPr lang="en-DE"/>
           </a:p>
@@ -1011,7 +1012,7 @@
           <a:p>
             <a:fld id="{94EAEABD-DE79-9141-AFA2-A3447ADAF287}" type="datetimeFigureOut">
               <a:rPr lang="en-DE" smtClean="0"/>
-              <a:t>05.04.25</a:t>
+              <a:t>14.04.25</a:t>
             </a:fld>
             <a:endParaRPr lang="en-DE"/>
           </a:p>
@@ -1426,7 +1427,7 @@
           <a:p>
             <a:fld id="{94EAEABD-DE79-9141-AFA2-A3447ADAF287}" type="datetimeFigureOut">
               <a:rPr lang="en-DE" smtClean="0"/>
-              <a:t>05.04.25</a:t>
+              <a:t>14.04.25</a:t>
             </a:fld>
             <a:endParaRPr lang="en-DE"/>
           </a:p>
@@ -1573,7 +1574,7 @@
           <a:p>
             <a:fld id="{94EAEABD-DE79-9141-AFA2-A3447ADAF287}" type="datetimeFigureOut">
               <a:rPr lang="en-DE" smtClean="0"/>
-              <a:t>05.04.25</a:t>
+              <a:t>14.04.25</a:t>
             </a:fld>
             <a:endParaRPr lang="en-DE"/>
           </a:p>
@@ -1686,7 +1687,7 @@
           <a:p>
             <a:fld id="{94EAEABD-DE79-9141-AFA2-A3447ADAF287}" type="datetimeFigureOut">
               <a:rPr lang="en-DE" smtClean="0"/>
-              <a:t>05.04.25</a:t>
+              <a:t>14.04.25</a:t>
             </a:fld>
             <a:endParaRPr lang="en-DE"/>
           </a:p>
@@ -1935,7 +1936,7 @@
           <a:p>
             <a:fld id="{94EAEABD-DE79-9141-AFA2-A3447ADAF287}" type="datetimeFigureOut">
               <a:rPr lang="en-DE" smtClean="0"/>
-              <a:t>05.04.25</a:t>
+              <a:t>14.04.25</a:t>
             </a:fld>
             <a:endParaRPr lang="en-DE"/>
           </a:p>
@@ -2870,10 +2871,90 @@
           </a:prstGeom>
         </p:spPr>
       </p:pic>
+      <p:sp>
+        <p:nvSpPr>
+          <p:cNvPr id="8" name="TextBox 7">
+            <a:extLst>
+              <a:ext uri="{FF2B5EF4-FFF2-40B4-BE49-F238E27FC236}">
+                <a16:creationId xmlns:a16="http://schemas.microsoft.com/office/drawing/2014/main" id="{BED12031-CBA7-93D9-81D6-A4CE81289D98}"/>
+              </a:ext>
+            </a:extLst>
+          </p:cNvPr>
+          <p:cNvSpPr txBox="1"/>
+          <p:nvPr/>
+        </p:nvSpPr>
+        <p:spPr>
+          <a:xfrm>
+            <a:off x="838200" y="2654188"/>
+            <a:ext cx="3403111" cy="307777"/>
+          </a:xfrm>
+          <a:prstGeom prst="rect">
+            <a:avLst/>
+          </a:prstGeom>
+          <a:solidFill>
+            <a:schemeClr val="accent1">
+              <a:lumMod val="75000"/>
+            </a:schemeClr>
+          </a:solidFill>
+        </p:spPr>
+        <p:txBody>
+          <a:bodyPr wrap="none" rtlCol="0">
+            <a:spAutoFit/>
+          </a:bodyPr>
+          <a:lstStyle/>
+          <a:p>
+            <a:pPr algn="l"/>
+            <a:r>
+              <a:rPr lang="en-DE" sz="1400" dirty="0"/>
+              <a:t>FTS5: find ”jq” anywhere in the snippet data</a:t>
+            </a:r>
+          </a:p>
+        </p:txBody>
+      </p:sp>
+      <p:sp>
+        <p:nvSpPr>
+          <p:cNvPr id="9" name="TextBox 8">
+            <a:extLst>
+              <a:ext uri="{FF2B5EF4-FFF2-40B4-BE49-F238E27FC236}">
+                <a16:creationId xmlns:a16="http://schemas.microsoft.com/office/drawing/2014/main" id="{B34CB7DD-B368-E11B-98AD-86AEF16A466D}"/>
+              </a:ext>
+            </a:extLst>
+          </p:cNvPr>
+          <p:cNvSpPr txBox="1"/>
+          <p:nvPr/>
+        </p:nvSpPr>
+        <p:spPr>
+          <a:xfrm>
+            <a:off x="825500" y="956378"/>
+            <a:ext cx="3533531" cy="307777"/>
+          </a:xfrm>
+          <a:prstGeom prst="rect">
+            <a:avLst/>
+          </a:prstGeom>
+          <a:solidFill>
+            <a:schemeClr val="accent1">
+              <a:lumMod val="75000"/>
+            </a:schemeClr>
+          </a:solidFill>
+        </p:spPr>
+        <p:txBody>
+          <a:bodyPr wrap="none" rtlCol="0">
+            <a:spAutoFit/>
+          </a:bodyPr>
+          <a:lstStyle/>
+          <a:p>
+            <a:pPr algn="l"/>
+            <a:r>
+              <a:rPr lang="en-DE" sz="1400" dirty="0"/>
+              <a:t>FTS5: find ”jq” in column “metadata” as prefix</a:t>
+            </a:r>
+          </a:p>
+        </p:txBody>
+      </p:sp>
     </p:spTree>
     <p:extLst>
       <p:ext uri="{BB962C8B-B14F-4D97-AF65-F5344CB8AC3E}">
-        <p14:creationId xmlns:p14="http://schemas.microsoft.com/office/powerpoint/2010/main" val="2090618037"/>
+        <p14:creationId xmlns:p14="http://schemas.microsoft.com/office/powerpoint/2010/main" val="3286784480"/>
       </p:ext>
     </p:extLst>
   </p:cSld>
@@ -2925,10 +3006,70 @@
           </a:p>
         </p:txBody>
       </p:sp>
+      <p:pic>
+        <p:nvPicPr>
+          <p:cNvPr id="3" name="Picture 2">
+            <a:extLst>
+              <a:ext uri="{FF2B5EF4-FFF2-40B4-BE49-F238E27FC236}">
+                <a16:creationId xmlns:a16="http://schemas.microsoft.com/office/drawing/2014/main" id="{8CB5792E-2A5A-90C7-C74B-9E4FAEDC4058}"/>
+              </a:ext>
+            </a:extLst>
+          </p:cNvPr>
+          <p:cNvPicPr>
+            <a:picLocks noChangeAspect="1"/>
+          </p:cNvPicPr>
+          <p:nvPr/>
+        </p:nvPicPr>
+        <p:blipFill>
+          <a:blip r:embed="rId2"/>
+          <a:stretch>
+            <a:fillRect/>
+          </a:stretch>
+        </p:blipFill>
+        <p:spPr>
+          <a:xfrm>
+            <a:off x="438819" y="211890"/>
+            <a:ext cx="5956300" cy="2616200"/>
+          </a:xfrm>
+          <a:prstGeom prst="rect">
+            <a:avLst/>
+          </a:prstGeom>
+        </p:spPr>
+      </p:pic>
+      <p:pic>
+        <p:nvPicPr>
+          <p:cNvPr id="4" name="Picture 3">
+            <a:extLst>
+              <a:ext uri="{FF2B5EF4-FFF2-40B4-BE49-F238E27FC236}">
+                <a16:creationId xmlns:a16="http://schemas.microsoft.com/office/drawing/2014/main" id="{FAD70044-AC1D-7A6F-824D-DC10A332F52A}"/>
+              </a:ext>
+            </a:extLst>
+          </p:cNvPr>
+          <p:cNvPicPr>
+            <a:picLocks noChangeAspect="1"/>
+          </p:cNvPicPr>
+          <p:nvPr/>
+        </p:nvPicPr>
+        <p:blipFill>
+          <a:blip r:embed="rId3"/>
+          <a:stretch>
+            <a:fillRect/>
+          </a:stretch>
+        </p:blipFill>
+        <p:spPr>
+          <a:xfrm>
+            <a:off x="438819" y="2961272"/>
+            <a:ext cx="5930900" cy="1841500"/>
+          </a:xfrm>
+          <a:prstGeom prst="rect">
+            <a:avLst/>
+          </a:prstGeom>
+        </p:spPr>
+      </p:pic>
     </p:spTree>
     <p:extLst>
       <p:ext uri="{BB962C8B-B14F-4D97-AF65-F5344CB8AC3E}">
-        <p14:creationId xmlns:p14="http://schemas.microsoft.com/office/powerpoint/2010/main" val="3981853971"/>
+        <p14:creationId xmlns:p14="http://schemas.microsoft.com/office/powerpoint/2010/main" val="4010691352"/>
       </p:ext>
     </p:extLst>
   </p:cSld>
@@ -2960,7 +3101,7 @@
           <p:cNvPr id="2" name="Title 1">
             <a:extLst>
               <a:ext uri="{FF2B5EF4-FFF2-40B4-BE49-F238E27FC236}">
-                <a16:creationId xmlns:a16="http://schemas.microsoft.com/office/drawing/2014/main" id="{1843C398-5CA1-1826-B184-E4723F98DB73}"/>
+                <a16:creationId xmlns:a16="http://schemas.microsoft.com/office/drawing/2014/main" id="{C27630FF-2779-3FED-00CC-F0807A65F568}"/>
               </a:ext>
             </a:extLst>
           </p:cNvPr>
@@ -2983,7 +3124,7 @@
     </p:spTree>
     <p:extLst>
       <p:ext uri="{BB962C8B-B14F-4D97-AF65-F5344CB8AC3E}">
-        <p14:creationId xmlns:p14="http://schemas.microsoft.com/office/powerpoint/2010/main" val="3130316013"/>
+        <p14:creationId xmlns:p14="http://schemas.microsoft.com/office/powerpoint/2010/main" val="3981853971"/>
       </p:ext>
     </p:extLst>
   </p:cSld>
@@ -3015,7 +3156,7 @@
           <p:cNvPr id="2" name="Title 1">
             <a:extLst>
               <a:ext uri="{FF2B5EF4-FFF2-40B4-BE49-F238E27FC236}">
-                <a16:creationId xmlns:a16="http://schemas.microsoft.com/office/drawing/2014/main" id="{DDFC4D9F-9AC5-E746-1BA2-3B4FEEE16FDC}"/>
+                <a16:creationId xmlns:a16="http://schemas.microsoft.com/office/drawing/2014/main" id="{1843C398-5CA1-1826-B184-E4723F98DB73}"/>
               </a:ext>
             </a:extLst>
           </p:cNvPr>
@@ -3038,7 +3179,7 @@
     </p:spTree>
     <p:extLst>
       <p:ext uri="{BB962C8B-B14F-4D97-AF65-F5344CB8AC3E}">
-        <p14:creationId xmlns:p14="http://schemas.microsoft.com/office/powerpoint/2010/main" val="4255576733"/>
+        <p14:creationId xmlns:p14="http://schemas.microsoft.com/office/powerpoint/2010/main" val="3130316013"/>
       </p:ext>
     </p:extLst>
   </p:cSld>
@@ -3070,6 +3211,61 @@
           <p:cNvPr id="2" name="Title 1">
             <a:extLst>
               <a:ext uri="{FF2B5EF4-FFF2-40B4-BE49-F238E27FC236}">
+                <a16:creationId xmlns:a16="http://schemas.microsoft.com/office/drawing/2014/main" id="{DDFC4D9F-9AC5-E746-1BA2-3B4FEEE16FDC}"/>
+              </a:ext>
+            </a:extLst>
+          </p:cNvPr>
+          <p:cNvSpPr>
+            <a:spLocks noGrp="1"/>
+          </p:cNvSpPr>
+          <p:nvPr>
+            <p:ph type="title"/>
+          </p:nvPr>
+        </p:nvSpPr>
+        <p:spPr/>
+        <p:txBody>
+          <a:bodyPr/>
+          <a:lstStyle/>
+          <a:p>
+            <a:endParaRPr lang="en-DE"/>
+          </a:p>
+        </p:txBody>
+      </p:sp>
+    </p:spTree>
+    <p:extLst>
+      <p:ext uri="{BB962C8B-B14F-4D97-AF65-F5344CB8AC3E}">
+        <p14:creationId xmlns:p14="http://schemas.microsoft.com/office/powerpoint/2010/main" val="4255576733"/>
+      </p:ext>
+    </p:extLst>
+  </p:cSld>
+  <p:clrMapOvr>
+    <a:masterClrMapping/>
+  </p:clrMapOvr>
+</p:sld>
+</file>
+
+<file path=ppt/slides/slide7.xml><?xml version="1.0" encoding="utf-8"?>
+<p:sld xmlns:a="http://schemas.openxmlformats.org/drawingml/2006/main" xmlns:r="http://schemas.openxmlformats.org/officeDocument/2006/relationships" xmlns:p="http://schemas.openxmlformats.org/presentationml/2006/main">
+  <p:cSld>
+    <p:spTree>
+      <p:nvGrpSpPr>
+        <p:cNvPr id="1" name=""/>
+        <p:cNvGrpSpPr/>
+        <p:nvPr/>
+      </p:nvGrpSpPr>
+      <p:grpSpPr>
+        <a:xfrm>
+          <a:off x="0" y="0"/>
+          <a:ext cx="0" cy="0"/>
+          <a:chOff x="0" y="0"/>
+          <a:chExt cx="0" cy="0"/>
+        </a:xfrm>
+      </p:grpSpPr>
+      <p:sp>
+        <p:nvSpPr>
+          <p:cNvPr id="2" name="Title 1">
+            <a:extLst>
+              <a:ext uri="{FF2B5EF4-FFF2-40B4-BE49-F238E27FC236}">
                 <a16:creationId xmlns:a16="http://schemas.microsoft.com/office/drawing/2014/main" id="{F4727142-17AC-FDC9-3C86-FA4AA9F6D1AC}"/>
               </a:ext>
             </a:extLst>
@@ -3103,7 +3299,7 @@
 </p:sld>
 </file>
 
-<file path=ppt/slides/slide7.xml><?xml version="1.0" encoding="utf-8"?>
+<file path=ppt/slides/slide8.xml><?xml version="1.0" encoding="utf-8"?>
 <p:sld xmlns:a="http://schemas.openxmlformats.org/drawingml/2006/main" xmlns:r="http://schemas.openxmlformats.org/officeDocument/2006/relationships" xmlns:p="http://schemas.openxmlformats.org/presentationml/2006/main">
   <p:cSld>
     <p:spTree>
